--- a/Slides 2020/11. GitHub Pull Request.pptx
+++ b/Slides 2020/11. GitHub Pull Request.pptx
@@ -33,7 +33,7 @@
     <p:sldId id="463" r:id="rId24"/>
     <p:sldId id="464" r:id="rId25"/>
     <p:sldId id="572" r:id="rId26"/>
-    <p:sldId id="571" r:id="rId27"/>
+    <p:sldId id="573" r:id="rId27"/>
   </p:sldIdLst>
   <p:sldSz cx="9144000" cy="6858000" type="screen4x3"/>
   <p:notesSz cx="6858000" cy="9144000"/>
@@ -222,7 +222,7 @@
           <a:p>
             <a:fld id="{3A51E6CB-1B67-49CD-819C-CBD1F8F15839}" type="datetimeFigureOut">
               <a:rPr lang="ko-KR" altLang="en-US" smtClean="0"/>
-              <a:t>2019-11-30</a:t>
+              <a:t>2020-11-16</a:t>
             </a:fld>
             <a:endParaRPr lang="ko-KR" altLang="en-US"/>
           </a:p>
@@ -2636,7 +2636,7 @@
           <a:p>
             <a:fld id="{1EA80F27-E9B9-4A8E-9A59-01CCB3F43850}" type="datetime1">
               <a:rPr lang="ko-KR" altLang="en-US" smtClean="0"/>
-              <a:t>2019-11-30</a:t>
+              <a:t>2020-11-16</a:t>
             </a:fld>
             <a:endParaRPr lang="ko-KR" altLang="en-US"/>
           </a:p>
@@ -2852,7 +2852,7 @@
           <a:p>
             <a:fld id="{7E5363F8-22A8-407F-82B0-EFC1D1C22895}" type="datetime1">
               <a:rPr lang="ko-KR" altLang="en-US" smtClean="0"/>
-              <a:t>2019-11-30</a:t>
+              <a:t>2020-11-16</a:t>
             </a:fld>
             <a:endParaRPr lang="ko-KR" altLang="en-US"/>
           </a:p>
@@ -3032,7 +3032,7 @@
           <a:p>
             <a:fld id="{8187739B-8E74-4F06-BBD0-F6D670C1F7A1}" type="datetime1">
               <a:rPr lang="ko-KR" altLang="en-US" smtClean="0"/>
-              <a:t>2019-11-30</a:t>
+              <a:t>2020-11-16</a:t>
             </a:fld>
             <a:endParaRPr lang="ko-KR" altLang="en-US"/>
           </a:p>
@@ -3202,7 +3202,7 @@
           <a:p>
             <a:fld id="{947C39E4-F1C0-46F5-93CB-857C8C3AEB8D}" type="datetime1">
               <a:rPr lang="ko-KR" altLang="en-US" smtClean="0"/>
-              <a:t>2019-11-30</a:t>
+              <a:t>2020-11-16</a:t>
             </a:fld>
             <a:endParaRPr lang="ko-KR" altLang="en-US"/>
           </a:p>
@@ -3446,7 +3446,7 @@
           <a:p>
             <a:fld id="{7818271D-E6C7-4286-B2FD-D9AA53F1E428}" type="datetime1">
               <a:rPr lang="ko-KR" altLang="en-US" smtClean="0"/>
-              <a:t>2019-11-30</a:t>
+              <a:t>2020-11-16</a:t>
             </a:fld>
             <a:endParaRPr lang="ko-KR" altLang="en-US"/>
           </a:p>
@@ -3678,7 +3678,7 @@
           <a:p>
             <a:fld id="{8CE3C26B-F624-420D-BF9D-391E2E695B27}" type="datetime1">
               <a:rPr lang="ko-KR" altLang="en-US" smtClean="0"/>
-              <a:t>2019-11-30</a:t>
+              <a:t>2020-11-16</a:t>
             </a:fld>
             <a:endParaRPr lang="ko-KR" altLang="en-US"/>
           </a:p>
@@ -4045,7 +4045,7 @@
           <a:p>
             <a:fld id="{A1FC83CE-7AD5-4A20-9998-54C7F9F05545}" type="datetime1">
               <a:rPr lang="ko-KR" altLang="en-US" smtClean="0"/>
-              <a:t>2019-11-30</a:t>
+              <a:t>2020-11-16</a:t>
             </a:fld>
             <a:endParaRPr lang="ko-KR" altLang="en-US"/>
           </a:p>
@@ -4163,7 +4163,7 @@
           <a:p>
             <a:fld id="{3A3E22EA-EB96-4ADF-ABA9-A693E5F7BB1E}" type="datetime1">
               <a:rPr lang="ko-KR" altLang="en-US" smtClean="0"/>
-              <a:t>2019-11-30</a:t>
+              <a:t>2020-11-16</a:t>
             </a:fld>
             <a:endParaRPr lang="ko-KR" altLang="en-US"/>
           </a:p>
@@ -4258,7 +4258,7 @@
           <a:p>
             <a:fld id="{0D5BD961-86A8-440A-8C4E-52B6CA6FECED}" type="datetime1">
               <a:rPr lang="ko-KR" altLang="en-US" smtClean="0"/>
-              <a:t>2019-11-30</a:t>
+              <a:t>2020-11-16</a:t>
             </a:fld>
             <a:endParaRPr lang="ko-KR" altLang="en-US"/>
           </a:p>
@@ -4535,7 +4535,7 @@
           <a:p>
             <a:fld id="{CD151CC0-1347-483B-8708-01772054FA68}" type="datetime1">
               <a:rPr lang="ko-KR" altLang="en-US" smtClean="0"/>
-              <a:t>2019-11-30</a:t>
+              <a:t>2020-11-16</a:t>
             </a:fld>
             <a:endParaRPr lang="ko-KR" altLang="en-US"/>
           </a:p>
@@ -4792,7 +4792,7 @@
           <a:p>
             <a:fld id="{57185993-49E6-4096-BF26-930E741DA796}" type="datetime1">
               <a:rPr lang="ko-KR" altLang="en-US" smtClean="0"/>
-              <a:t>2019-11-30</a:t>
+              <a:t>2020-11-16</a:t>
             </a:fld>
             <a:endParaRPr lang="ko-KR" altLang="en-US"/>
           </a:p>
@@ -5008,7 +5008,7 @@
           <a:p>
             <a:fld id="{170798F3-F6A9-4876-8D5A-30BE2843F4A2}" type="datetime1">
               <a:rPr lang="ko-KR" altLang="en-US" smtClean="0"/>
-              <a:t>2019-11-30</a:t>
+              <a:t>2020-11-16</a:t>
             </a:fld>
             <a:endParaRPr lang="ko-KR" altLang="en-US"/>
           </a:p>
@@ -7601,7 +7601,7 @@
             </a:r>
           </a:p>
           <a:p>
-            <a:pPr lvl="1"/>
+            <a:pPr lvl="2"/>
             <a:r>
               <a:rPr lang="ko-KR" altLang="en-US" dirty="0"/>
               <a:t>내가 변경한 소스가 다른 사람에게도 의미가 있는 경우 </a:t>
@@ -8803,7 +8803,7 @@
             </a:r>
             <a:r>
               <a:rPr lang="en-US" altLang="ko-KR" dirty="0"/>
-              <a:t>#9</a:t>
+              <a:t>#8</a:t>
             </a:r>
             <a:r>
               <a:rPr lang="ko-KR" altLang="en-US" dirty="0"/>
@@ -8839,32 +8839,127 @@
           <a:lstStyle/>
           <a:p>
             <a:r>
-              <a:rPr lang="ko-KR" altLang="en-US" sz="2000" dirty="0"/>
-              <a:t>두 사람이 짝을 이뤄 진행</a:t>
-            </a:r>
-            <a:endParaRPr lang="en-US" altLang="ko-KR" sz="2000" dirty="0"/>
+              <a:rPr lang="ko-KR" altLang="en-US" sz="1800" dirty="0"/>
+              <a:t>제출</a:t>
+            </a:r>
+            <a:r>
+              <a:rPr lang="en-US" altLang="ko-KR" sz="1800" dirty="0"/>
+              <a:t>: </a:t>
+            </a:r>
+            <a:r>
+              <a:rPr lang="ko-KR" altLang="en-US" sz="1800" dirty="0"/>
+              <a:t>하나의 </a:t>
+            </a:r>
+            <a:r>
+              <a:rPr lang="en-US" altLang="ko-KR" sz="1800" dirty="0"/>
+              <a:t>ppt</a:t>
+            </a:r>
+            <a:r>
+              <a:rPr lang="ko-KR" altLang="en-US" sz="1800" dirty="0"/>
+              <a:t>에 각 캡처 파일을 넣은 후</a:t>
+            </a:r>
+            <a:r>
+              <a:rPr lang="en-US" altLang="ko-KR" sz="1800" dirty="0"/>
+              <a:t>, PDF </a:t>
+            </a:r>
+            <a:r>
+              <a:rPr lang="ko-KR" altLang="en-US" sz="1800" dirty="0"/>
+              <a:t>파일로 변환해 </a:t>
+            </a:r>
+            <a:r>
+              <a:rPr lang="en-US" altLang="ko-KR" sz="1800" dirty="0"/>
+              <a:t>LMS </a:t>
+            </a:r>
+            <a:r>
+              <a:rPr lang="ko-KR" altLang="en-US" sz="1800" dirty="0"/>
+              <a:t>제출</a:t>
+            </a:r>
+            <a:endParaRPr lang="en-US" altLang="ko-KR" sz="1800" dirty="0"/>
           </a:p>
           <a:p>
             <a:pPr lvl="1"/>
             <a:r>
+              <a:rPr lang="en-US" altLang="ko-KR" sz="1600" dirty="0"/>
+              <a:t>Page</a:t>
+            </a:r>
+            <a:r>
               <a:rPr lang="ko-KR" altLang="en-US" sz="1600" dirty="0"/>
-              <a:t>각자 </a:t>
+              <a:t> </a:t>
             </a:r>
             <a:r>
               <a:rPr lang="en-US" altLang="ko-KR" sz="1600" dirty="0"/>
-              <a:t>Repository </a:t>
+              <a:t>#1: </a:t>
             </a:r>
             <a:r>
               <a:rPr lang="ko-KR" altLang="en-US" sz="1600" dirty="0"/>
-              <a:t>하나를 생성 </a:t>
-            </a:r>
+              <a:t>제목</a:t>
+            </a:r>
+            <a:r>
+              <a:rPr lang="en-US" altLang="ko-KR" sz="1600" dirty="0"/>
+              <a:t>, </a:t>
+            </a:r>
+            <a:r>
+              <a:rPr lang="ko-KR" altLang="en-US" sz="1600" dirty="0"/>
+              <a:t>학번</a:t>
+            </a:r>
+            <a:r>
+              <a:rPr lang="en-US" altLang="ko-KR" sz="1600" dirty="0"/>
+              <a:t>, </a:t>
+            </a:r>
+            <a:r>
+              <a:rPr lang="ko-KR" altLang="en-US" sz="1600" dirty="0"/>
+              <a:t>이름</a:t>
+            </a:r>
+            <a:endParaRPr lang="en-US" altLang="ko-KR" sz="1600" dirty="0"/>
+          </a:p>
+          <a:p>
+            <a:r>
+              <a:rPr lang="ko-KR" altLang="en-US" sz="1800" dirty="0"/>
+              <a:t>두 사람이 짝을 이뤄 </a:t>
+            </a:r>
+            <a:r>
+              <a:rPr lang="en-US" altLang="ko-KR" sz="1800" dirty="0"/>
+              <a:t>PR </a:t>
+            </a:r>
+            <a:r>
+              <a:rPr lang="ko-KR" altLang="en-US" sz="1800" dirty="0"/>
+              <a:t>실습 진행</a:t>
+            </a:r>
+            <a:endParaRPr lang="en-US" altLang="ko-KR" sz="1800" dirty="0"/>
+          </a:p>
+          <a:p>
+            <a:pPr lvl="1"/>
             <a:r>
               <a:rPr lang="en-US" altLang="ko-KR" sz="1600" dirty="0"/>
               <a:t>(</a:t>
             </a:r>
             <a:r>
               <a:rPr lang="ko-KR" altLang="en-US" sz="1600" dirty="0"/>
-              <a:t>혹은 기존 예제 사용</a:t>
+              <a:t>하여야 하나</a:t>
+            </a:r>
+            <a:r>
+              <a:rPr lang="en-US" altLang="ko-KR" sz="1600" dirty="0"/>
+              <a:t>, </a:t>
+            </a:r>
+            <a:r>
+              <a:rPr lang="ko-KR" altLang="en-US" sz="1600" dirty="0"/>
+              <a:t>그냥 혼자 계정 </a:t>
+            </a:r>
+            <a:r>
+              <a:rPr lang="en-US" altLang="ko-KR" sz="1600" dirty="0"/>
+              <a:t>2</a:t>
+            </a:r>
+            <a:r>
+              <a:rPr lang="ko-KR" altLang="en-US" sz="1600" dirty="0"/>
+              <a:t>개 만들어서 하자</a:t>
+            </a:r>
+            <a:r>
+              <a:rPr lang="en-US" altLang="ko-KR" sz="1600" dirty="0"/>
+              <a:t>…</a:t>
+            </a:r>
+            <a:r>
+              <a:rPr lang="ko-KR" altLang="en-US" sz="1600" dirty="0"/>
+              <a:t>비대면이라 너무 불편할 것 같다</a:t>
             </a:r>
             <a:r>
               <a:rPr lang="en-US" altLang="ko-KR" sz="1600" dirty="0"/>
@@ -8874,27 +8969,48 @@
           <a:p>
             <a:pPr lvl="1"/>
             <a:r>
+              <a:rPr lang="en-US" altLang="ko-KR" sz="1600" dirty="0"/>
+              <a:t>1</a:t>
+            </a:r>
+            <a:r>
               <a:rPr lang="ko-KR" altLang="en-US" sz="1600" dirty="0"/>
-              <a:t>각자 서로의 </a:t>
+              <a:t>번 </a:t>
             </a:r>
             <a:r>
               <a:rPr lang="en-US" altLang="ko-KR" sz="1600" dirty="0"/>
-              <a:t>Repository </a:t>
+              <a:t>ID: Repo </a:t>
             </a:r>
             <a:r>
               <a:rPr lang="ko-KR" altLang="en-US" sz="1600" dirty="0"/>
-              <a:t>를 </a:t>
-            </a:r>
+              <a:t>생성</a:t>
+            </a:r>
+            <a:endParaRPr lang="en-US" altLang="ko-KR" sz="1600" dirty="0"/>
+          </a:p>
+          <a:p>
+            <a:pPr lvl="1"/>
             <a:r>
               <a:rPr lang="en-US" altLang="ko-KR" sz="1600" dirty="0"/>
-              <a:t>Fork</a:t>
-            </a:r>
-          </a:p>
-          <a:p>
-            <a:pPr lvl="1"/>
+              <a:t>2</a:t>
+            </a:r>
             <a:r>
               <a:rPr lang="ko-KR" altLang="en-US" sz="1600" dirty="0"/>
-              <a:t>각자 서로 수정 사항을 발생시킨 후</a:t>
+              <a:t>번 </a:t>
+            </a:r>
+            <a:r>
+              <a:rPr lang="en-US" altLang="ko-KR" sz="1600" dirty="0"/>
+              <a:t>ID: 1</a:t>
+            </a:r>
+            <a:r>
+              <a:rPr lang="ko-KR" altLang="en-US" sz="1600" dirty="0"/>
+              <a:t>번의 </a:t>
+            </a:r>
+            <a:r>
+              <a:rPr lang="en-US" altLang="ko-KR" sz="1600" dirty="0"/>
+              <a:t>Repo Fork </a:t>
+            </a:r>
+            <a:r>
+              <a:rPr lang="ko-KR" altLang="en-US" sz="1600" dirty="0"/>
+              <a:t>후 수정</a:t>
             </a:r>
             <a:r>
               <a:rPr lang="en-US" altLang="ko-KR" sz="1600" dirty="0"/>
@@ -8902,23 +9018,89 @@
             </a:r>
             <a:r>
               <a:rPr lang="ko-KR" altLang="en-US" sz="1600" dirty="0"/>
-              <a:t>요청 </a:t>
-            </a:r>
+              <a:t>요청</a:t>
+            </a:r>
+            <a:endParaRPr lang="en-US" altLang="ko-KR" sz="1600" dirty="0"/>
+          </a:p>
+          <a:p>
+            <a:pPr lvl="1"/>
             <a:r>
               <a:rPr lang="en-US" altLang="ko-KR" sz="1600" dirty="0"/>
-              <a:t>(no_conflict.jpg) -&gt; </a:t>
+              <a:t>1</a:t>
             </a:r>
             <a:r>
               <a:rPr lang="ko-KR" altLang="en-US" sz="1600" dirty="0"/>
-              <a:t>본인의 </a:t>
+              <a:t>번 </a:t>
             </a:r>
             <a:r>
               <a:rPr lang="en-US" altLang="ko-KR" sz="1600" dirty="0"/>
-              <a:t>PR </a:t>
+              <a:t>ID: PR </a:t>
             </a:r>
             <a:r>
               <a:rPr lang="ko-KR" altLang="en-US" sz="1600" dirty="0"/>
-              <a:t>요청 캡처</a:t>
+              <a:t>확인 및 </a:t>
+            </a:r>
+            <a:r>
+              <a:rPr lang="en-US" altLang="ko-KR" sz="1600" dirty="0"/>
+              <a:t>Merge (</a:t>
+            </a:r>
+            <a:r>
+              <a:rPr lang="ko-KR" altLang="en-US" sz="1600" dirty="0"/>
+              <a:t>캡처 </a:t>
+            </a:r>
+            <a:r>
+              <a:rPr lang="en-US" altLang="ko-KR" sz="1600" dirty="0"/>
+              <a:t>#2)</a:t>
+            </a:r>
+          </a:p>
+          <a:p>
+            <a:pPr lvl="1"/>
+            <a:r>
+              <a:rPr lang="en-US" altLang="ko-KR" sz="1600" dirty="0"/>
+              <a:t>1,2</a:t>
+            </a:r>
+            <a:r>
+              <a:rPr lang="ko-KR" altLang="en-US" sz="1600" dirty="0"/>
+              <a:t>번 </a:t>
+            </a:r>
+            <a:r>
+              <a:rPr lang="en-US" altLang="ko-KR" sz="1600" dirty="0"/>
+              <a:t>ID: </a:t>
+            </a:r>
+            <a:r>
+              <a:rPr lang="ko-KR" altLang="en-US" sz="1600" dirty="0"/>
+              <a:t>양쪽에서 같은 내용 수정 </a:t>
+            </a:r>
+            <a:r>
+              <a:rPr lang="en-US" altLang="ko-KR" sz="1600" dirty="0"/>
+              <a:t>(conflict </a:t>
+            </a:r>
+            <a:r>
+              <a:rPr lang="ko-KR" altLang="en-US" sz="1600" dirty="0"/>
+              <a:t>유도</a:t>
+            </a:r>
+            <a:r>
+              <a:rPr lang="en-US" altLang="ko-KR" sz="1600" dirty="0"/>
+              <a:t>)</a:t>
+            </a:r>
+          </a:p>
+          <a:p>
+            <a:pPr lvl="1"/>
+            <a:r>
+              <a:rPr lang="en-US" altLang="ko-KR" sz="1600" dirty="0"/>
+              <a:t>2</a:t>
+            </a:r>
+            <a:r>
+              <a:rPr lang="ko-KR" altLang="en-US" sz="1600" dirty="0"/>
+              <a:t>번 </a:t>
+            </a:r>
+            <a:r>
+              <a:rPr lang="en-US" altLang="ko-KR" sz="1600" dirty="0"/>
+              <a:t>ID: PR </a:t>
+            </a:r>
+            <a:r>
+              <a:rPr lang="ko-KR" altLang="en-US" sz="1600" dirty="0"/>
+              <a:t>요청</a:t>
             </a:r>
             <a:endParaRPr lang="en-US" altLang="ko-KR" sz="1600" dirty="0"/>
           </a:p>
@@ -8926,91 +9108,39 @@
             <a:pPr lvl="1"/>
             <a:r>
               <a:rPr lang="en-US" altLang="ko-KR" sz="1600" dirty="0"/>
-              <a:t>Merge </a:t>
+              <a:t>1</a:t>
             </a:r>
             <a:r>
               <a:rPr lang="ko-KR" altLang="en-US" sz="1600" dirty="0"/>
-              <a:t>수행 </a:t>
-            </a:r>
-            <a:endParaRPr lang="en-US" altLang="ko-KR" sz="1600" dirty="0"/>
-          </a:p>
-          <a:p>
-            <a:pPr lvl="1"/>
+              <a:t>번 </a:t>
+            </a:r>
+            <a:r>
+              <a:rPr lang="en-US" altLang="ko-KR" sz="1600" dirty="0"/>
+              <a:t>ID: PR </a:t>
+            </a:r>
             <a:r>
               <a:rPr lang="ko-KR" altLang="en-US" sz="1600" dirty="0"/>
-              <a:t>각자 서로 수정 사항을 발생시킨 후</a:t>
+              <a:t>확인</a:t>
             </a:r>
             <a:r>
               <a:rPr lang="en-US" altLang="ko-KR" sz="1600" dirty="0"/>
-              <a:t>, PR </a:t>
+              <a:t>, conflict </a:t>
             </a:r>
             <a:r>
               <a:rPr lang="ko-KR" altLang="en-US" sz="1600" dirty="0"/>
-              <a:t>요청 </a:t>
+              <a:t>해소 후 </a:t>
             </a:r>
             <a:r>
               <a:rPr lang="en-US" altLang="ko-KR" sz="1600" dirty="0"/>
-              <a:t>(conflict.jpg) -&gt; </a:t>
+              <a:t>Merge (</a:t>
             </a:r>
             <a:r>
               <a:rPr lang="ko-KR" altLang="en-US" sz="1600" dirty="0"/>
-              <a:t>본인의 </a:t>
+              <a:t>캡처 </a:t>
             </a:r>
             <a:r>
               <a:rPr lang="en-US" altLang="ko-KR" sz="1600" dirty="0"/>
-              <a:t>PR </a:t>
-            </a:r>
-            <a:r>
-              <a:rPr lang="ko-KR" altLang="en-US" sz="1600" dirty="0"/>
-              <a:t>요청 캡처</a:t>
-            </a:r>
-            <a:endParaRPr lang="en-US" altLang="ko-KR" sz="1600" dirty="0"/>
-          </a:p>
-          <a:p>
-            <a:pPr lvl="1"/>
-            <a:r>
-              <a:rPr lang="en-US" altLang="ko-KR" sz="1600" dirty="0"/>
-              <a:t>Conflict</a:t>
-            </a:r>
-            <a:r>
-              <a:rPr lang="ko-KR" altLang="en-US" sz="1600" dirty="0"/>
-              <a:t> 임의로 해결 후</a:t>
-            </a:r>
-            <a:r>
-              <a:rPr lang="en-US" altLang="ko-KR" sz="1600" dirty="0"/>
-              <a:t>, Merge </a:t>
-            </a:r>
-            <a:r>
-              <a:rPr lang="ko-KR" altLang="en-US" sz="1600" dirty="0"/>
-              <a:t>수행 </a:t>
-            </a:r>
-            <a:endParaRPr lang="en-US" altLang="ko-KR" sz="1600" dirty="0"/>
-          </a:p>
-          <a:p>
-            <a:pPr lvl="1"/>
-            <a:r>
-              <a:rPr lang="ko-KR" altLang="en-US" sz="1600" dirty="0"/>
-              <a:t>두 개의 </a:t>
-            </a:r>
-            <a:r>
-              <a:rPr lang="en-US" altLang="ko-KR" sz="1600" dirty="0"/>
-              <a:t>PR merge </a:t>
-            </a:r>
-            <a:r>
-              <a:rPr lang="ko-KR" altLang="en-US" sz="1600" dirty="0"/>
-              <a:t>완료 화면 </a:t>
-            </a:r>
-            <a:r>
-              <a:rPr lang="en-US" altLang="ko-KR" sz="1600" dirty="0"/>
-              <a:t>pull request (closed) </a:t>
-            </a:r>
-            <a:r>
-              <a:rPr lang="ko-KR" altLang="en-US" sz="1600" dirty="0"/>
-              <a:t>창에서 캡처</a:t>
-            </a:r>
-            <a:r>
-              <a:rPr lang="en-US" altLang="ko-KR" sz="1600" dirty="0"/>
-              <a:t> (prs.jpg)</a:t>
+              <a:t>#3)</a:t>
             </a:r>
           </a:p>
           <a:p>
@@ -9019,70 +9149,70 @@
           </a:p>
           <a:p>
             <a:r>
-              <a:rPr lang="ko-KR" altLang="en-US" sz="2000" dirty="0"/>
+              <a:rPr lang="ko-KR" altLang="en-US" sz="1800" dirty="0"/>
               <a:t>제출 기한</a:t>
             </a:r>
             <a:r>
-              <a:rPr lang="en-US" altLang="ko-KR" sz="2000" dirty="0"/>
+              <a:rPr lang="en-US" altLang="ko-KR" sz="1800" dirty="0"/>
               <a:t>:</a:t>
             </a:r>
           </a:p>
           <a:p>
             <a:pPr lvl="1"/>
             <a:r>
-              <a:rPr lang="en-US" altLang="ko-KR" sz="1800" dirty="0"/>
-              <a:t>11/17 (</a:t>
-            </a:r>
-            <a:r>
-              <a:rPr lang="ko-KR" altLang="en-US" sz="1800" dirty="0"/>
-              <a:t>일</a:t>
-            </a:r>
-            <a:r>
-              <a:rPr lang="en-US" altLang="ko-KR" sz="1800" dirty="0"/>
+              <a:rPr lang="en-US" altLang="ko-KR" sz="1600" dirty="0"/>
+              <a:t>11/23 (</a:t>
+            </a:r>
+            <a:r>
+              <a:rPr lang="ko-KR" altLang="en-US" sz="1600" dirty="0"/>
+              <a:t>월</a:t>
+            </a:r>
+            <a:r>
+              <a:rPr lang="en-US" altLang="ko-KR" sz="1600" dirty="0"/>
               <a:t>) 23:59</a:t>
             </a:r>
           </a:p>
           <a:p>
             <a:pPr lvl="1"/>
             <a:r>
-              <a:rPr lang="ko-KR" altLang="en-US" sz="1800" dirty="0"/>
+              <a:rPr lang="ko-KR" altLang="en-US" sz="1600" dirty="0"/>
               <a:t>지각 감점</a:t>
             </a:r>
             <a:r>
-              <a:rPr lang="en-US" altLang="ko-KR" sz="1800" dirty="0"/>
+              <a:rPr lang="en-US" altLang="ko-KR" sz="1600" dirty="0"/>
               <a:t>: 5%p / day</a:t>
             </a:r>
             <a:r>
-              <a:rPr lang="ko-KR" altLang="en-US" sz="1800" dirty="0"/>
+              <a:rPr lang="ko-KR" altLang="en-US" sz="1600" dirty="0"/>
               <a:t> </a:t>
             </a:r>
             <a:r>
-              <a:rPr lang="en-US" altLang="ko-KR" sz="1800" dirty="0"/>
+              <a:rPr lang="en-US" altLang="ko-KR" sz="1600" dirty="0"/>
               <a:t>(3</a:t>
             </a:r>
             <a:r>
-              <a:rPr lang="ko-KR" altLang="en-US" sz="1800" dirty="0"/>
+              <a:rPr lang="ko-KR" altLang="en-US" sz="1600" dirty="0"/>
               <a:t>주 내 제출해야 함</a:t>
             </a:r>
             <a:r>
-              <a:rPr lang="en-US" altLang="ko-KR" sz="1800" dirty="0"/>
+              <a:rPr lang="en-US" altLang="ko-KR" sz="1600" dirty="0"/>
               <a:t>)</a:t>
             </a:r>
           </a:p>
           <a:p>
-            <a:endParaRPr lang="en-US" altLang="ko-KR" sz="2000" dirty="0"/>
+            <a:endParaRPr lang="en-US" altLang="ko-KR" sz="1800" dirty="0"/>
           </a:p>
           <a:p>
             <a:pPr lvl="1"/>
-            <a:endParaRPr lang="en-US" altLang="ko-KR" sz="1800" dirty="0"/>
+            <a:endParaRPr lang="en-US" altLang="ko-KR" sz="1600" dirty="0"/>
           </a:p>
           <a:p>
             <a:pPr lvl="2"/>
-            <a:endParaRPr lang="en-US" altLang="ko-KR" sz="1600" dirty="0"/>
+            <a:endParaRPr lang="en-US" altLang="ko-KR" sz="1400" dirty="0"/>
           </a:p>
           <a:p>
             <a:pPr lvl="2"/>
-            <a:endParaRPr lang="ko-KR" altLang="en-US" sz="1600" dirty="0"/>
+            <a:endParaRPr lang="ko-KR" altLang="en-US" sz="1400" dirty="0"/>
           </a:p>
         </p:txBody>
       </p:sp>
@@ -9119,7 +9249,7 @@
     </p:spTree>
     <p:extLst>
       <p:ext uri="{BB962C8B-B14F-4D97-AF65-F5344CB8AC3E}">
-        <p14:creationId xmlns:p14="http://schemas.microsoft.com/office/powerpoint/2010/main" val="508758335"/>
+        <p14:creationId xmlns:p14="http://schemas.microsoft.com/office/powerpoint/2010/main" val="3291098348"/>
       </p:ext>
     </p:extLst>
   </p:cSld>
